--- a/lecture-materials/Network&ContentDelivery/vpc/network-protocols.pptx
+++ b/lecture-materials/Network&ContentDelivery/vpc/network-protocols.pptx
@@ -14757,7 +14757,7 @@
           <a:p>
             <a:fld id="{E01A5EB1-1D37-4C48-A6C2-7A8DAEEDFF8A}" type="datetimeFigureOut">
               <a:rPr lang="en-CH" smtClean="0"/>
-              <a:t>03.01.2024</a:t>
+              <a:t>09.01.2024</a:t>
             </a:fld>
             <a:endParaRPr lang="en-CH"/>
           </a:p>
@@ -16506,7 +16506,7 @@
           <a:p>
             <a:fld id="{2813EA8F-ED01-734B-B2E3-FEA7485CC9E6}" type="datetimeFigureOut">
               <a:rPr lang="en-CH" smtClean="0"/>
-              <a:t>03.01.2024</a:t>
+              <a:t>09.01.2024</a:t>
             </a:fld>
             <a:endParaRPr lang="en-CH"/>
           </a:p>
@@ -16706,7 +16706,7 @@
           <a:p>
             <a:fld id="{2813EA8F-ED01-734B-B2E3-FEA7485CC9E6}" type="datetimeFigureOut">
               <a:rPr lang="en-CH" smtClean="0"/>
-              <a:t>03.01.2024</a:t>
+              <a:t>09.01.2024</a:t>
             </a:fld>
             <a:endParaRPr lang="en-CH"/>
           </a:p>
@@ -16916,7 +16916,7 @@
           <a:p>
             <a:fld id="{2813EA8F-ED01-734B-B2E3-FEA7485CC9E6}" type="datetimeFigureOut">
               <a:rPr lang="en-CH" smtClean="0"/>
-              <a:t>03.01.2024</a:t>
+              <a:t>09.01.2024</a:t>
             </a:fld>
             <a:endParaRPr lang="en-CH"/>
           </a:p>
@@ -17475,7 +17475,7 @@
           <a:p>
             <a:fld id="{2813EA8F-ED01-734B-B2E3-FEA7485CC9E6}" type="datetimeFigureOut">
               <a:rPr lang="en-CH" smtClean="0"/>
-              <a:t>03.01.2024</a:t>
+              <a:t>09.01.2024</a:t>
             </a:fld>
             <a:endParaRPr lang="en-CH"/>
           </a:p>
@@ -17751,7 +17751,7 @@
           <a:p>
             <a:fld id="{2813EA8F-ED01-734B-B2E3-FEA7485CC9E6}" type="datetimeFigureOut">
               <a:rPr lang="en-CH" smtClean="0"/>
-              <a:t>03.01.2024</a:t>
+              <a:t>09.01.2024</a:t>
             </a:fld>
             <a:endParaRPr lang="en-CH"/>
           </a:p>
@@ -18019,7 +18019,7 @@
           <a:p>
             <a:fld id="{2813EA8F-ED01-734B-B2E3-FEA7485CC9E6}" type="datetimeFigureOut">
               <a:rPr lang="en-CH" smtClean="0"/>
-              <a:t>03.01.2024</a:t>
+              <a:t>09.01.2024</a:t>
             </a:fld>
             <a:endParaRPr lang="en-CH"/>
           </a:p>
@@ -18434,7 +18434,7 @@
           <a:p>
             <a:fld id="{2813EA8F-ED01-734B-B2E3-FEA7485CC9E6}" type="datetimeFigureOut">
               <a:rPr lang="en-CH" smtClean="0"/>
-              <a:t>03.01.2024</a:t>
+              <a:t>09.01.2024</a:t>
             </a:fld>
             <a:endParaRPr lang="en-CH"/>
           </a:p>
@@ -18576,7 +18576,7 @@
           <a:p>
             <a:fld id="{2813EA8F-ED01-734B-B2E3-FEA7485CC9E6}" type="datetimeFigureOut">
               <a:rPr lang="en-CH" smtClean="0"/>
-              <a:t>03.01.2024</a:t>
+              <a:t>09.01.2024</a:t>
             </a:fld>
             <a:endParaRPr lang="en-CH"/>
           </a:p>
@@ -18689,7 +18689,7 @@
           <a:p>
             <a:fld id="{2813EA8F-ED01-734B-B2E3-FEA7485CC9E6}" type="datetimeFigureOut">
               <a:rPr lang="en-CH" smtClean="0"/>
-              <a:t>03.01.2024</a:t>
+              <a:t>09.01.2024</a:t>
             </a:fld>
             <a:endParaRPr lang="en-CH"/>
           </a:p>
@@ -19002,7 +19002,7 @@
           <a:p>
             <a:fld id="{2813EA8F-ED01-734B-B2E3-FEA7485CC9E6}" type="datetimeFigureOut">
               <a:rPr lang="en-CH" smtClean="0"/>
-              <a:t>03.01.2024</a:t>
+              <a:t>09.01.2024</a:t>
             </a:fld>
             <a:endParaRPr lang="en-CH"/>
           </a:p>
@@ -19291,7 +19291,7 @@
           <a:p>
             <a:fld id="{2813EA8F-ED01-734B-B2E3-FEA7485CC9E6}" type="datetimeFigureOut">
               <a:rPr lang="en-CH" smtClean="0"/>
-              <a:t>03.01.2024</a:t>
+              <a:t>09.01.2024</a:t>
             </a:fld>
             <a:endParaRPr lang="en-CH"/>
           </a:p>
@@ -19534,7 +19534,7 @@
           <a:p>
             <a:fld id="{2813EA8F-ED01-734B-B2E3-FEA7485CC9E6}" type="datetimeFigureOut">
               <a:rPr lang="en-CH" smtClean="0"/>
-              <a:t>03.01.2024</a:t>
+              <a:t>09.01.2024</a:t>
             </a:fld>
             <a:endParaRPr lang="en-CH"/>
           </a:p>
@@ -20770,6 +20770,14 @@
 <file path=ppt/slides/slide12.xml><?xml version="1.0" encoding="utf-8"?>
 <p:sld xmlns:a="http://schemas.openxmlformats.org/drawingml/2006/main" xmlns:r="http://schemas.openxmlformats.org/officeDocument/2006/relationships" xmlns:p="http://schemas.openxmlformats.org/presentationml/2006/main">
   <p:cSld>
+    <p:bg>
+      <p:bgPr>
+        <a:solidFill>
+          <a:schemeClr val="bg1"/>
+        </a:solidFill>
+        <a:effectLst/>
+      </p:bgPr>
+    </p:bg>
     <p:spTree>
       <p:nvGrpSpPr>
         <p:cNvPr id="1" name=""/>
@@ -20784,6 +20792,488 @@
           <a:chExt cx="0" cy="0"/>
         </a:xfrm>
       </p:grpSpPr>
+      <p:sp useBgFill="1">
+        <p:nvSpPr>
+          <p:cNvPr id="12" name="Rectangle 11">
+            <a:extLst>
+              <a:ext uri="{FF2B5EF4-FFF2-40B4-BE49-F238E27FC236}">
+                <a16:creationId xmlns:a16="http://schemas.microsoft.com/office/drawing/2014/main" id="{53F29798-D584-4792-9B62-3F5F5C36D619}"/>
+              </a:ext>
+              <a:ext uri="{C183D7F6-B498-43B3-948B-1728B52AA6E4}">
+                <adec:decorative xmlns:adec="http://schemas.microsoft.com/office/drawing/2017/decorative" val="1"/>
+              </a:ext>
+            </a:extLst>
+          </p:cNvPr>
+          <p:cNvSpPr>
+            <a:spLocks noGrp="1" noRot="1" noChangeAspect="1" noMove="1" noResize="1" noEditPoints="1" noAdjustHandles="1" noChangeArrowheads="1" noChangeShapeType="1" noTextEdit="1"/>
+          </p:cNvSpPr>
+          <p:nvPr>
+            <p:extLst>
+              <p:ext uri="{386F3935-93C4-4BCD-93E2-E3B085C9AB24}">
+                <p16:designElem xmlns:p16="http://schemas.microsoft.com/office/powerpoint/2015/main" val="1"/>
+              </p:ext>
+            </p:extLst>
+          </p:nvPr>
+        </p:nvSpPr>
+        <p:spPr>
+          <a:xfrm>
+            <a:off x="0" y="0"/>
+            <a:ext cx="12188952" cy="6858000"/>
+          </a:xfrm>
+          <a:prstGeom prst="rect">
+            <a:avLst/>
+          </a:prstGeom>
+          <a:ln>
+            <a:noFill/>
+          </a:ln>
+        </p:spPr>
+        <p:style>
+          <a:lnRef idx="2">
+            <a:schemeClr val="accent1">
+              <a:shade val="50000"/>
+            </a:schemeClr>
+          </a:lnRef>
+          <a:fillRef idx="1">
+            <a:schemeClr val="accent1"/>
+          </a:fillRef>
+          <a:effectRef idx="0">
+            <a:schemeClr val="accent1"/>
+          </a:effectRef>
+          <a:fontRef idx="minor">
+            <a:schemeClr val="lt1"/>
+          </a:fontRef>
+        </p:style>
+        <p:txBody>
+          <a:bodyPr rtlCol="0" anchor="ctr"/>
+          <a:lstStyle/>
+          <a:p>
+            <a:pPr algn="ctr"/>
+            <a:endParaRPr lang="en-US"/>
+          </a:p>
+        </p:txBody>
+      </p:sp>
+      <p:sp>
+        <p:nvSpPr>
+          <p:cNvPr id="7" name="TextBox 6">
+            <a:extLst>
+              <a:ext uri="{FF2B5EF4-FFF2-40B4-BE49-F238E27FC236}">
+                <a16:creationId xmlns:a16="http://schemas.microsoft.com/office/drawing/2014/main" id="{A9D5196B-F0AD-D829-F582-62D4C97B0C80}"/>
+              </a:ext>
+            </a:extLst>
+          </p:cNvPr>
+          <p:cNvSpPr txBox="1"/>
+          <p:nvPr/>
+        </p:nvSpPr>
+        <p:spPr>
+          <a:xfrm>
+            <a:off x="4416302" y="1844673"/>
+            <a:ext cx="3406775" cy="4449763"/>
+          </a:xfrm>
+          <a:prstGeom prst="rect">
+            <a:avLst/>
+          </a:prstGeom>
+          <a:noFill/>
+        </p:spPr>
+        <p:txBody>
+          <a:bodyPr wrap="square" anchor="t">
+            <a:normAutofit/>
+          </a:bodyPr>
+          <a:lstStyle/>
+          <a:p>
+            <a:pPr algn="l">
+              <a:lnSpc>
+                <a:spcPct val="90000"/>
+              </a:lnSpc>
+              <a:spcBef>
+                <a:spcPts val="400"/>
+              </a:spcBef>
+              <a:spcAft>
+                <a:spcPts val="400"/>
+              </a:spcAft>
+            </a:pPr>
+            <a:r>
+              <a:rPr lang="en-GB" sz="1300" b="1" i="0" dirty="0">
+                <a:effectLst/>
+              </a:rPr>
+              <a:t>Differences</a:t>
+            </a:r>
+          </a:p>
+          <a:p>
+            <a:pPr algn="l">
+              <a:lnSpc>
+                <a:spcPct val="90000"/>
+              </a:lnSpc>
+              <a:spcBef>
+                <a:spcPts val="400"/>
+              </a:spcBef>
+              <a:spcAft>
+                <a:spcPts val="400"/>
+              </a:spcAft>
+              <a:buFont typeface="Arial" panose="020B0604020202020204" pitchFamily="34" charset="0"/>
+              <a:buChar char="•"/>
+            </a:pPr>
+            <a:r>
+              <a:rPr lang="en-GB" sz="1300" b="1" i="0" dirty="0">
+                <a:effectLst/>
+              </a:rPr>
+              <a:t>Layer of Operation</a:t>
+            </a:r>
+            <a:r>
+              <a:rPr lang="en-GB" sz="1300" b="0" i="0" dirty="0">
+                <a:effectLst/>
+              </a:rPr>
+              <a:t>: IP operates at the network layer, focusing on routing data across networks, while Ethernet operates at the data link and physical layers, handling data transmission within the same network.</a:t>
+            </a:r>
+          </a:p>
+          <a:p>
+            <a:pPr algn="l">
+              <a:lnSpc>
+                <a:spcPct val="90000"/>
+              </a:lnSpc>
+              <a:spcBef>
+                <a:spcPts val="400"/>
+              </a:spcBef>
+              <a:spcAft>
+                <a:spcPts val="400"/>
+              </a:spcAft>
+              <a:buFont typeface="Arial" panose="020B0604020202020204" pitchFamily="34" charset="0"/>
+              <a:buChar char="•"/>
+            </a:pPr>
+            <a:r>
+              <a:rPr lang="en-GB" sz="1300" b="1" i="0" dirty="0">
+                <a:effectLst/>
+              </a:rPr>
+              <a:t>Scope of Application</a:t>
+            </a:r>
+            <a:r>
+              <a:rPr lang="en-GB" sz="1300" b="0" i="0" dirty="0">
+                <a:effectLst/>
+              </a:rPr>
+              <a:t>: IP is used for data routing across different networks (internet or between LANs), whereas Ethernet is used for connecting devices within the same local network.</a:t>
+            </a:r>
+          </a:p>
+          <a:p>
+            <a:pPr algn="l">
+              <a:lnSpc>
+                <a:spcPct val="90000"/>
+              </a:lnSpc>
+              <a:spcBef>
+                <a:spcPts val="400"/>
+              </a:spcBef>
+              <a:spcAft>
+                <a:spcPts val="400"/>
+              </a:spcAft>
+              <a:buFont typeface="Arial" panose="020B0604020202020204" pitchFamily="34" charset="0"/>
+              <a:buChar char="•"/>
+            </a:pPr>
+            <a:r>
+              <a:rPr lang="en-GB" sz="1300" b="1" i="0" dirty="0">
+                <a:effectLst/>
+              </a:rPr>
+              <a:t>Addressing Mechanism</a:t>
+            </a:r>
+            <a:r>
+              <a:rPr lang="en-GB" sz="1300" b="0" i="0" dirty="0">
+                <a:effectLst/>
+              </a:rPr>
+              <a:t>: IP uses IP addresses for identifying devices, while Ethernet uses MAC addresses for the local delivery of frames.</a:t>
+            </a:r>
+          </a:p>
+          <a:p>
+            <a:pPr algn="l">
+              <a:lnSpc>
+                <a:spcPct val="90000"/>
+              </a:lnSpc>
+              <a:spcBef>
+                <a:spcPts val="400"/>
+              </a:spcBef>
+              <a:spcAft>
+                <a:spcPts val="400"/>
+              </a:spcAft>
+              <a:buFont typeface="Arial" panose="020B0604020202020204" pitchFamily="34" charset="0"/>
+              <a:buChar char="•"/>
+            </a:pPr>
+            <a:r>
+              <a:rPr lang="en-GB" sz="1300" b="1" i="0" dirty="0">
+                <a:effectLst/>
+              </a:rPr>
+              <a:t>Function</a:t>
+            </a:r>
+            <a:r>
+              <a:rPr lang="en-GB" sz="1300" b="0" i="0" dirty="0">
+                <a:effectLst/>
+              </a:rPr>
+              <a:t>: IP is concerned with the logical routing of packets across networks. Ethernet deals with the actual physical and data link connections between devices.</a:t>
+            </a:r>
+          </a:p>
+          <a:p>
+            <a:pPr algn="l">
+              <a:lnSpc>
+                <a:spcPct val="90000"/>
+              </a:lnSpc>
+              <a:spcBef>
+                <a:spcPts val="400"/>
+              </a:spcBef>
+              <a:spcAft>
+                <a:spcPts val="400"/>
+              </a:spcAft>
+              <a:buFont typeface="Arial" panose="020B0604020202020204" pitchFamily="34" charset="0"/>
+              <a:buChar char="•"/>
+            </a:pPr>
+            <a:r>
+              <a:rPr lang="en-GB" sz="1300" b="1" i="0" dirty="0">
+                <a:effectLst/>
+              </a:rPr>
+              <a:t>Protocol Suite</a:t>
+            </a:r>
+            <a:r>
+              <a:rPr lang="en-GB" sz="1300" b="0" i="0" dirty="0">
+                <a:effectLst/>
+              </a:rPr>
+              <a:t>: They belong to different protocol suites; IP is part of the TCP/IP suite, whereas Ethernet is a set of standards for LANs.</a:t>
+            </a:r>
+          </a:p>
+        </p:txBody>
+      </p:sp>
+      <p:sp>
+        <p:nvSpPr>
+          <p:cNvPr id="5" name="TextBox 4">
+            <a:extLst>
+              <a:ext uri="{FF2B5EF4-FFF2-40B4-BE49-F238E27FC236}">
+                <a16:creationId xmlns:a16="http://schemas.microsoft.com/office/drawing/2014/main" id="{DDF935E6-6B99-FD81-9F26-24AC2977A369}"/>
+              </a:ext>
+            </a:extLst>
+          </p:cNvPr>
+          <p:cNvSpPr txBox="1"/>
+          <p:nvPr/>
+        </p:nvSpPr>
+        <p:spPr>
+          <a:xfrm>
+            <a:off x="8134352" y="1844674"/>
+            <a:ext cx="3743325" cy="4449763"/>
+          </a:xfrm>
+          <a:prstGeom prst="rect">
+            <a:avLst/>
+          </a:prstGeom>
+          <a:noFill/>
+        </p:spPr>
+        <p:txBody>
+          <a:bodyPr wrap="square" anchor="t">
+            <a:normAutofit/>
+          </a:bodyPr>
+          <a:lstStyle/>
+          <a:p>
+            <a:pPr marL="171450" indent="-171450" algn="l">
+              <a:lnSpc>
+                <a:spcPct val="90000"/>
+              </a:lnSpc>
+              <a:spcBef>
+                <a:spcPts val="400"/>
+              </a:spcBef>
+              <a:spcAft>
+                <a:spcPts val="400"/>
+              </a:spcAft>
+              <a:buFont typeface="Arial" panose="020B0604020202020204" pitchFamily="34" charset="0"/>
+              <a:buChar char="•"/>
+            </a:pPr>
+            <a:r>
+              <a:rPr lang="en-GB" sz="1100" b="1" i="0" dirty="0">
+                <a:effectLst/>
+              </a:rPr>
+              <a:t>Ethernet</a:t>
+            </a:r>
+          </a:p>
+          <a:p>
+            <a:pPr marL="171450" indent="-171450" algn="l">
+              <a:lnSpc>
+                <a:spcPct val="90000"/>
+              </a:lnSpc>
+              <a:spcBef>
+                <a:spcPts val="400"/>
+              </a:spcBef>
+              <a:spcAft>
+                <a:spcPts val="400"/>
+              </a:spcAft>
+              <a:buFont typeface="Arial" panose="020B0604020202020204" pitchFamily="34" charset="0"/>
+              <a:buChar char="•"/>
+            </a:pPr>
+            <a:r>
+              <a:rPr lang="en-GB" sz="1100" b="1" i="0" dirty="0">
+                <a:effectLst/>
+              </a:rPr>
+              <a:t>Layer</a:t>
+            </a:r>
+            <a:r>
+              <a:rPr lang="en-GB" sz="1100" b="0" i="0" dirty="0">
+                <a:effectLst/>
+              </a:rPr>
+              <a:t>: Ethernet primarily operates at the Data Link Layer (Layer 2) and partially at the Physical Layer (Layer 1) in the OSI model.</a:t>
+            </a:r>
+          </a:p>
+          <a:p>
+            <a:pPr marL="171450" indent="-171450" algn="l">
+              <a:lnSpc>
+                <a:spcPct val="90000"/>
+              </a:lnSpc>
+              <a:spcBef>
+                <a:spcPts val="400"/>
+              </a:spcBef>
+              <a:spcAft>
+                <a:spcPts val="400"/>
+              </a:spcAft>
+              <a:buFont typeface="Arial" panose="020B0604020202020204" pitchFamily="34" charset="0"/>
+              <a:buChar char="•"/>
+            </a:pPr>
+            <a:r>
+              <a:rPr lang="en-GB" sz="1100" b="1" i="0" dirty="0">
+                <a:effectLst/>
+              </a:rPr>
+              <a:t>Purpose</a:t>
+            </a:r>
+            <a:r>
+              <a:rPr lang="en-GB" sz="1100" b="0" i="0" dirty="0">
+                <a:effectLst/>
+              </a:rPr>
+              <a:t>: Ethernet is a technology for connecting devices in a local area network (LAN). It's used to facilitate data communication over short distances, like within a building.</a:t>
+            </a:r>
+          </a:p>
+          <a:p>
+            <a:pPr marL="171450" indent="-171450" algn="l">
+              <a:lnSpc>
+                <a:spcPct val="90000"/>
+              </a:lnSpc>
+              <a:spcBef>
+                <a:spcPts val="400"/>
+              </a:spcBef>
+              <a:spcAft>
+                <a:spcPts val="400"/>
+              </a:spcAft>
+              <a:buFont typeface="Arial" panose="020B0604020202020204" pitchFamily="34" charset="0"/>
+              <a:buChar char="•"/>
+            </a:pPr>
+            <a:r>
+              <a:rPr lang="en-GB" sz="1100" b="1" i="0" dirty="0">
+                <a:effectLst/>
+              </a:rPr>
+              <a:t>Functionality</a:t>
+            </a:r>
+            <a:r>
+              <a:rPr lang="en-GB" sz="1100" b="0" i="0" dirty="0">
+                <a:effectLst/>
+              </a:rPr>
+              <a:t>:</a:t>
+            </a:r>
+          </a:p>
+          <a:p>
+            <a:pPr marL="742950" lvl="1" indent="-285750" algn="l">
+              <a:lnSpc>
+                <a:spcPct val="90000"/>
+              </a:lnSpc>
+              <a:spcBef>
+                <a:spcPts val="400"/>
+              </a:spcBef>
+              <a:spcAft>
+                <a:spcPts val="400"/>
+              </a:spcAft>
+              <a:buFont typeface="Arial" panose="020B0604020202020204" pitchFamily="34" charset="0"/>
+              <a:buChar char="•"/>
+            </a:pPr>
+            <a:r>
+              <a:rPr lang="en-GB" sz="1100" b="1" i="0" dirty="0">
+                <a:effectLst/>
+              </a:rPr>
+              <a:t>Local Area Networking</a:t>
+            </a:r>
+            <a:r>
+              <a:rPr lang="en-GB" sz="1100" b="0" i="0" dirty="0">
+                <a:effectLst/>
+              </a:rPr>
+              <a:t>: Ethernet connects devices like computers, printers, and routers in a LAN.</a:t>
+            </a:r>
+          </a:p>
+          <a:p>
+            <a:pPr marL="742950" lvl="1" indent="-285750" algn="l">
+              <a:lnSpc>
+                <a:spcPct val="90000"/>
+              </a:lnSpc>
+              <a:spcBef>
+                <a:spcPts val="400"/>
+              </a:spcBef>
+              <a:spcAft>
+                <a:spcPts val="400"/>
+              </a:spcAft>
+              <a:buFont typeface="Arial" panose="020B0604020202020204" pitchFamily="34" charset="0"/>
+              <a:buChar char="•"/>
+            </a:pPr>
+            <a:r>
+              <a:rPr lang="en-GB" sz="1100" b="1" i="0" dirty="0">
+                <a:effectLst/>
+              </a:rPr>
+              <a:t>Frame Transmission</a:t>
+            </a:r>
+            <a:r>
+              <a:rPr lang="en-GB" sz="1100" b="0" i="0" dirty="0">
+                <a:effectLst/>
+              </a:rPr>
+              <a:t>: Ethernet transmits data in units called frames. Each frame contains source and destination MAC (Media Access Control) addresses, which are used for communication on the same network.</a:t>
+            </a:r>
+          </a:p>
+          <a:p>
+            <a:pPr marL="742950" lvl="1" indent="-285750" algn="l">
+              <a:lnSpc>
+                <a:spcPct val="90000"/>
+              </a:lnSpc>
+              <a:spcBef>
+                <a:spcPts val="400"/>
+              </a:spcBef>
+              <a:spcAft>
+                <a:spcPts val="400"/>
+              </a:spcAft>
+              <a:buFont typeface="Arial" panose="020B0604020202020204" pitchFamily="34" charset="0"/>
+              <a:buChar char="•"/>
+            </a:pPr>
+            <a:r>
+              <a:rPr lang="en-GB" sz="1100" b="1" i="0" dirty="0">
+                <a:effectLst/>
+              </a:rPr>
+              <a:t>Physical Media</a:t>
+            </a:r>
+            <a:r>
+              <a:rPr lang="en-GB" sz="1100" b="0" i="0" dirty="0">
+                <a:effectLst/>
+              </a:rPr>
+              <a:t>: Ethernet defines the standards for wiring and signals for the physical layer of the network (cabling, connectors, signal transmission).</a:t>
+            </a:r>
+          </a:p>
+          <a:p>
+            <a:pPr marL="171450" indent="-171450" algn="l">
+              <a:lnSpc>
+                <a:spcPct val="90000"/>
+              </a:lnSpc>
+              <a:spcBef>
+                <a:spcPts val="400"/>
+              </a:spcBef>
+              <a:spcAft>
+                <a:spcPts val="400"/>
+              </a:spcAft>
+              <a:buFont typeface="Arial" panose="020B0604020202020204" pitchFamily="34" charset="0"/>
+              <a:buChar char="•"/>
+            </a:pPr>
+            <a:r>
+              <a:rPr lang="en-GB" sz="1100" b="1" i="0" dirty="0">
+                <a:effectLst/>
+              </a:rPr>
+              <a:t>Protocols</a:t>
+            </a:r>
+            <a:r>
+              <a:rPr lang="en-GB" sz="1100" b="0" i="0" dirty="0">
+                <a:effectLst/>
+              </a:rPr>
+              <a:t>: Ethernet is foundational for LAN communication and is often used in conjunction with IP for internet and intranet communication.</a:t>
+            </a:r>
+          </a:p>
+        </p:txBody>
+      </p:sp>
       <p:sp>
         <p:nvSpPr>
           <p:cNvPr id="2" name="Title 1">
@@ -20800,13 +21290,32 @@
             <p:ph type="title"/>
           </p:nvPr>
         </p:nvSpPr>
-        <p:spPr/>
+        <p:spPr>
+          <a:xfrm>
+            <a:off x="838200" y="184805"/>
+            <a:ext cx="10515600" cy="1505883"/>
+          </a:xfrm>
+        </p:spPr>
         <p:txBody>
-          <a:bodyPr/>
+          <a:bodyPr vert="horz" lIns="91440" tIns="45720" rIns="91440" bIns="45720" rtlCol="0" anchor="ctr">
+            <a:normAutofit/>
+          </a:bodyPr>
           <a:lstStyle/>
           <a:p>
+            <a:pPr>
+              <a:spcBef>
+                <a:spcPct val="0"/>
+              </a:spcBef>
+            </a:pPr>
             <a:r>
-              <a:rPr lang="en-CH" dirty="0"/>
+              <a:rPr lang="en-US" sz="5200" kern="1200">
+                <a:solidFill>
+                  <a:schemeClr val="tx1"/>
+                </a:solidFill>
+                <a:latin typeface="+mj-lt"/>
+                <a:ea typeface="+mj-ea"/>
+                <a:cs typeface="+mj-cs"/>
+              </a:rPr>
               <a:t>IP Protocol vs Ethernet</a:t>
             </a:r>
           </a:p>
@@ -20830,13 +21339,13 @@
         </p:nvSpPr>
         <p:spPr>
           <a:xfrm>
-            <a:off x="579102" y="1689521"/>
-            <a:ext cx="5428082" cy="2533163"/>
+            <a:off x="692865" y="1844673"/>
+            <a:ext cx="3219450" cy="4449763"/>
           </a:xfrm>
         </p:spPr>
         <p:txBody>
-          <a:bodyPr>
-            <a:noAutofit/>
+          <a:bodyPr wrap="square" anchor="t">
+            <a:normAutofit/>
           </a:bodyPr>
           <a:lstStyle/>
           <a:p>
@@ -20849,7 +21358,7 @@
               </a:spcAft>
             </a:pPr>
             <a:r>
-              <a:rPr lang="en-GB" sz="900" b="1" i="0" dirty="0">
+              <a:rPr lang="en-GB" sz="1100" b="1" i="0" dirty="0">
                 <a:effectLst/>
               </a:rPr>
               <a:t>IP Protocol (Internet Protocol)</a:t>
@@ -20865,13 +21374,13 @@
               </a:spcAft>
             </a:pPr>
             <a:r>
-              <a:rPr lang="en-GB" sz="900" b="1" i="0" dirty="0">
+              <a:rPr lang="en-GB" sz="1100" b="1" i="0" dirty="0">
                 <a:effectLst/>
               </a:rPr>
               <a:t>Layer</a:t>
             </a:r>
             <a:r>
-              <a:rPr lang="en-GB" sz="900" b="0" i="0" dirty="0">
+              <a:rPr lang="en-GB" sz="1100" b="0" i="0" dirty="0">
                 <a:effectLst/>
               </a:rPr>
               <a:t>: IP operates at the Network Layer (Layer 3) in the OSI model.</a:t>
@@ -20887,13 +21396,13 @@
               </a:spcAft>
             </a:pPr>
             <a:r>
-              <a:rPr lang="en-GB" sz="900" b="1" i="0" dirty="0">
+              <a:rPr lang="en-GB" sz="1100" b="1" i="0" dirty="0">
                 <a:effectLst/>
               </a:rPr>
               <a:t>Purpose</a:t>
             </a:r>
             <a:r>
-              <a:rPr lang="en-GB" sz="900" b="0" i="0" dirty="0">
+              <a:rPr lang="en-GB" sz="1100" b="0" i="0" dirty="0">
                 <a:effectLst/>
               </a:rPr>
               <a:t>: IP is designed for routing data packets across both local networks and the internet. It enables internetworking and essentially establishes the Internet.</a:t>
@@ -20909,13 +21418,13 @@
               </a:spcAft>
             </a:pPr>
             <a:r>
-              <a:rPr lang="en-GB" sz="900" b="1" i="0" dirty="0">
+              <a:rPr lang="en-GB" sz="1100" b="1" i="0" dirty="0">
                 <a:effectLst/>
               </a:rPr>
               <a:t>Functionality</a:t>
             </a:r>
             <a:r>
-              <a:rPr lang="en-GB" sz="900" b="0" i="0" dirty="0">
+              <a:rPr lang="en-GB" sz="1100" b="0" i="0" dirty="0">
                 <a:effectLst/>
               </a:rPr>
               <a:t>:</a:t>
@@ -20931,13 +21440,13 @@
               </a:spcAft>
             </a:pPr>
             <a:r>
-              <a:rPr lang="en-GB" sz="900" b="1" i="0" dirty="0">
+              <a:rPr lang="en-GB" sz="1100" b="1" i="0" dirty="0">
                 <a:effectLst/>
               </a:rPr>
               <a:t>Addressing</a:t>
             </a:r>
             <a:r>
-              <a:rPr lang="en-GB" sz="900" b="0" i="0" dirty="0">
+              <a:rPr lang="en-GB" sz="1100" b="0" i="0" dirty="0">
                 <a:effectLst/>
               </a:rPr>
               <a:t>: IP uses IP addresses (like IPv4 or IPv6) to identify devices on a network. These addresses are used to route data across networks.</a:t>
@@ -20953,13 +21462,13 @@
               </a:spcAft>
             </a:pPr>
             <a:r>
-              <a:rPr lang="en-GB" sz="900" b="1" i="0" dirty="0">
+              <a:rPr lang="en-GB" sz="1100" b="1" i="0" dirty="0">
                 <a:effectLst/>
               </a:rPr>
               <a:t>Path Selection</a:t>
             </a:r>
             <a:r>
-              <a:rPr lang="en-GB" sz="900" b="0" i="0" dirty="0">
+              <a:rPr lang="en-GB" sz="1100" b="0" i="0" dirty="0">
                 <a:effectLst/>
               </a:rPr>
               <a:t>: IP is responsible for choosing the path over which data will travel from its source to its destination across multiple networks.</a:t>
@@ -20975,13 +21484,13 @@
               </a:spcAft>
             </a:pPr>
             <a:r>
-              <a:rPr lang="en-GB" sz="900" b="1" i="0" dirty="0">
+              <a:rPr lang="en-GB" sz="1100" b="1" i="0" dirty="0">
                 <a:effectLst/>
               </a:rPr>
               <a:t>Data Packet Routing</a:t>
             </a:r>
             <a:r>
-              <a:rPr lang="en-GB" sz="900" b="0" i="0" dirty="0">
+              <a:rPr lang="en-GB" sz="1100" b="0" i="0" dirty="0">
                 <a:effectLst/>
               </a:rPr>
               <a:t>: IP routes data packets based on the destination IP address contained in the packet header.</a:t>
@@ -20997,13 +21506,13 @@
               </a:spcAft>
             </a:pPr>
             <a:r>
-              <a:rPr lang="en-GB" sz="900" b="1" i="0" dirty="0">
+              <a:rPr lang="en-GB" sz="1100" b="1" i="0" dirty="0">
                 <a:effectLst/>
               </a:rPr>
               <a:t>Protocols</a:t>
             </a:r>
             <a:r>
-              <a:rPr lang="en-GB" sz="900" b="0" i="0" dirty="0">
+              <a:rPr lang="en-GB" sz="1100" b="0" i="0" dirty="0">
                 <a:effectLst/>
               </a:rPr>
               <a:t>: IP is a key part of the TCP/IP protocol suite and works closely with higher-level protocols like TCP and UDP.</a:t>
@@ -21018,387 +21527,7 @@
                 <a:spcPts val="400"/>
               </a:spcAft>
             </a:pPr>
-            <a:endParaRPr lang="en-CH" sz="900" dirty="0"/>
-          </a:p>
-        </p:txBody>
-      </p:sp>
-      <p:sp>
-        <p:nvSpPr>
-          <p:cNvPr id="5" name="TextBox 4">
-            <a:extLst>
-              <a:ext uri="{FF2B5EF4-FFF2-40B4-BE49-F238E27FC236}">
-                <a16:creationId xmlns:a16="http://schemas.microsoft.com/office/drawing/2014/main" id="{DDF935E6-6B99-FD81-9F26-24AC2977A369}"/>
-              </a:ext>
-            </a:extLst>
-          </p:cNvPr>
-          <p:cNvSpPr txBox="1"/>
-          <p:nvPr/>
-        </p:nvSpPr>
-        <p:spPr>
-          <a:xfrm>
-            <a:off x="6643024" y="1529633"/>
-            <a:ext cx="5014062" cy="2887970"/>
-          </a:xfrm>
-          <a:prstGeom prst="rect">
-            <a:avLst/>
-          </a:prstGeom>
-          <a:noFill/>
-        </p:spPr>
-        <p:txBody>
-          <a:bodyPr wrap="square">
-            <a:spAutoFit/>
-          </a:bodyPr>
-          <a:lstStyle/>
-          <a:p>
-            <a:pPr marL="171450" indent="-171450" algn="l">
-              <a:spcBef>
-                <a:spcPts val="400"/>
-              </a:spcBef>
-              <a:spcAft>
-                <a:spcPts val="400"/>
-              </a:spcAft>
-              <a:buFont typeface="Arial" panose="020B0604020202020204" pitchFamily="34" charset="0"/>
-              <a:buChar char="•"/>
-            </a:pPr>
-            <a:r>
-              <a:rPr lang="en-GB" sz="900" b="1" i="0" dirty="0">
-                <a:effectLst/>
-              </a:rPr>
-              <a:t>Ethernet</a:t>
-            </a:r>
-          </a:p>
-          <a:p>
-            <a:pPr marL="171450" indent="-171450" algn="l">
-              <a:spcBef>
-                <a:spcPts val="400"/>
-              </a:spcBef>
-              <a:spcAft>
-                <a:spcPts val="400"/>
-              </a:spcAft>
-              <a:buFont typeface="Arial" panose="020B0604020202020204" pitchFamily="34" charset="0"/>
-              <a:buChar char="•"/>
-            </a:pPr>
-            <a:r>
-              <a:rPr lang="en-GB" sz="900" b="1" i="0" dirty="0">
-                <a:effectLst/>
-              </a:rPr>
-              <a:t>Layer</a:t>
-            </a:r>
-            <a:r>
-              <a:rPr lang="en-GB" sz="900" b="0" i="0" dirty="0">
-                <a:effectLst/>
-              </a:rPr>
-              <a:t>: Ethernet primarily operates at the Data Link Layer (Layer 2) and partially at the Physical Layer (Layer 1) in the OSI model.</a:t>
-            </a:r>
-          </a:p>
-          <a:p>
-            <a:pPr marL="171450" indent="-171450" algn="l">
-              <a:spcBef>
-                <a:spcPts val="400"/>
-              </a:spcBef>
-              <a:spcAft>
-                <a:spcPts val="400"/>
-              </a:spcAft>
-              <a:buFont typeface="Arial" panose="020B0604020202020204" pitchFamily="34" charset="0"/>
-              <a:buChar char="•"/>
-            </a:pPr>
-            <a:r>
-              <a:rPr lang="en-GB" sz="900" b="1" i="0" dirty="0">
-                <a:effectLst/>
-              </a:rPr>
-              <a:t>Purpose</a:t>
-            </a:r>
-            <a:r>
-              <a:rPr lang="en-GB" sz="900" b="0" i="0" dirty="0">
-                <a:effectLst/>
-              </a:rPr>
-              <a:t>: Ethernet is a technology for connecting devices in a local area network (LAN). It's used to facilitate data communication over short distances, like within a building.</a:t>
-            </a:r>
-          </a:p>
-          <a:p>
-            <a:pPr marL="171450" indent="-171450" algn="l">
-              <a:spcBef>
-                <a:spcPts val="400"/>
-              </a:spcBef>
-              <a:spcAft>
-                <a:spcPts val="400"/>
-              </a:spcAft>
-              <a:buFont typeface="Arial" panose="020B0604020202020204" pitchFamily="34" charset="0"/>
-              <a:buChar char="•"/>
-            </a:pPr>
-            <a:r>
-              <a:rPr lang="en-GB" sz="900" b="1" i="0" dirty="0">
-                <a:effectLst/>
-              </a:rPr>
-              <a:t>Functionality</a:t>
-            </a:r>
-            <a:r>
-              <a:rPr lang="en-GB" sz="900" b="0" i="0" dirty="0">
-                <a:effectLst/>
-              </a:rPr>
-              <a:t>:</a:t>
-            </a:r>
-          </a:p>
-          <a:p>
-            <a:pPr marL="742950" lvl="1" indent="-285750" algn="l">
-              <a:spcBef>
-                <a:spcPts val="400"/>
-              </a:spcBef>
-              <a:spcAft>
-                <a:spcPts val="400"/>
-              </a:spcAft>
-              <a:buFont typeface="Arial" panose="020B0604020202020204" pitchFamily="34" charset="0"/>
-              <a:buChar char="•"/>
-            </a:pPr>
-            <a:r>
-              <a:rPr lang="en-GB" sz="900" b="1" i="0" dirty="0">
-                <a:effectLst/>
-              </a:rPr>
-              <a:t>Local Area Networking</a:t>
-            </a:r>
-            <a:r>
-              <a:rPr lang="en-GB" sz="900" b="0" i="0" dirty="0">
-                <a:effectLst/>
-              </a:rPr>
-              <a:t>: Ethernet connects devices like computers, printers, and routers in a LAN.</a:t>
-            </a:r>
-          </a:p>
-          <a:p>
-            <a:pPr marL="742950" lvl="1" indent="-285750" algn="l">
-              <a:spcBef>
-                <a:spcPts val="400"/>
-              </a:spcBef>
-              <a:spcAft>
-                <a:spcPts val="400"/>
-              </a:spcAft>
-              <a:buFont typeface="Arial" panose="020B0604020202020204" pitchFamily="34" charset="0"/>
-              <a:buChar char="•"/>
-            </a:pPr>
-            <a:r>
-              <a:rPr lang="en-GB" sz="900" b="1" i="0" dirty="0">
-                <a:effectLst/>
-              </a:rPr>
-              <a:t>Frame Transmission</a:t>
-            </a:r>
-            <a:r>
-              <a:rPr lang="en-GB" sz="900" b="0" i="0" dirty="0">
-                <a:effectLst/>
-              </a:rPr>
-              <a:t>: Ethernet transmits data in units called frames. Each frame contains source and destination MAC (Media Access Control) addresses, which are used for communication on the same network.</a:t>
-            </a:r>
-          </a:p>
-          <a:p>
-            <a:pPr marL="742950" lvl="1" indent="-285750" algn="l">
-              <a:spcBef>
-                <a:spcPts val="400"/>
-              </a:spcBef>
-              <a:spcAft>
-                <a:spcPts val="400"/>
-              </a:spcAft>
-              <a:buFont typeface="Arial" panose="020B0604020202020204" pitchFamily="34" charset="0"/>
-              <a:buChar char="•"/>
-            </a:pPr>
-            <a:r>
-              <a:rPr lang="en-GB" sz="900" b="1" i="0" dirty="0">
-                <a:effectLst/>
-              </a:rPr>
-              <a:t>Physical Media</a:t>
-            </a:r>
-            <a:r>
-              <a:rPr lang="en-GB" sz="900" b="0" i="0" dirty="0">
-                <a:effectLst/>
-              </a:rPr>
-              <a:t>: Ethernet defines the standards for wiring and signals for the physical layer of the network (cabling, connectors, signal transmission).</a:t>
-            </a:r>
-          </a:p>
-          <a:p>
-            <a:pPr marL="171450" indent="-171450" algn="l">
-              <a:spcBef>
-                <a:spcPts val="400"/>
-              </a:spcBef>
-              <a:spcAft>
-                <a:spcPts val="400"/>
-              </a:spcAft>
-              <a:buFont typeface="Arial" panose="020B0604020202020204" pitchFamily="34" charset="0"/>
-              <a:buChar char="•"/>
-            </a:pPr>
-            <a:r>
-              <a:rPr lang="en-GB" sz="900" b="1" i="0" dirty="0">
-                <a:effectLst/>
-              </a:rPr>
-              <a:t>Protocols</a:t>
-            </a:r>
-            <a:r>
-              <a:rPr lang="en-GB" sz="900" b="0" i="0" dirty="0">
-                <a:effectLst/>
-              </a:rPr>
-              <a:t>: Ethernet is foundational for LAN communication and is often used in conjunction with IP for internet and intranet communication.</a:t>
-            </a:r>
-          </a:p>
-        </p:txBody>
-      </p:sp>
-      <p:sp>
-        <p:nvSpPr>
-          <p:cNvPr id="7" name="TextBox 6">
-            <a:extLst>
-              <a:ext uri="{FF2B5EF4-FFF2-40B4-BE49-F238E27FC236}">
-                <a16:creationId xmlns:a16="http://schemas.microsoft.com/office/drawing/2014/main" id="{A9D5196B-F0AD-D829-F582-62D4C97B0C80}"/>
-              </a:ext>
-            </a:extLst>
-          </p:cNvPr>
-          <p:cNvSpPr txBox="1"/>
-          <p:nvPr/>
-        </p:nvSpPr>
-        <p:spPr>
-          <a:xfrm>
-            <a:off x="3437327" y="4417603"/>
-            <a:ext cx="5139714" cy="2267287"/>
-          </a:xfrm>
-          <a:prstGeom prst="rect">
-            <a:avLst/>
-          </a:prstGeom>
-          <a:noFill/>
-        </p:spPr>
-        <p:txBody>
-          <a:bodyPr wrap="square">
-            <a:spAutoFit/>
-          </a:bodyPr>
-          <a:lstStyle/>
-          <a:p>
-            <a:pPr algn="l">
-              <a:spcBef>
-                <a:spcPts val="400"/>
-              </a:spcBef>
-              <a:spcAft>
-                <a:spcPts val="400"/>
-              </a:spcAft>
-            </a:pPr>
-            <a:r>
-              <a:rPr lang="en-GB" sz="900" b="1" i="0" dirty="0">
-                <a:effectLst/>
-              </a:rPr>
-              <a:t>Differences</a:t>
-            </a:r>
-          </a:p>
-          <a:p>
-            <a:pPr algn="l">
-              <a:spcBef>
-                <a:spcPts val="400"/>
-              </a:spcBef>
-              <a:spcAft>
-                <a:spcPts val="400"/>
-              </a:spcAft>
-              <a:buFont typeface="Arial" panose="020B0604020202020204" pitchFamily="34" charset="0"/>
-              <a:buChar char="•"/>
-            </a:pPr>
-            <a:r>
-              <a:rPr lang="en-GB" sz="900" b="1" i="0" dirty="0">
-                <a:effectLst/>
-              </a:rPr>
-              <a:t>Layer of Operation</a:t>
-            </a:r>
-            <a:r>
-              <a:rPr lang="en-GB" sz="900" b="0" i="0" dirty="0">
-                <a:effectLst/>
-              </a:rPr>
-              <a:t>: IP operates at the network layer, focusing on routing data across networks, while Ethernet operates at the data link and physical layers, handling data transmission within the same network.</a:t>
-            </a:r>
-          </a:p>
-          <a:p>
-            <a:pPr algn="l">
-              <a:spcBef>
-                <a:spcPts val="400"/>
-              </a:spcBef>
-              <a:spcAft>
-                <a:spcPts val="400"/>
-              </a:spcAft>
-              <a:buFont typeface="Arial" panose="020B0604020202020204" pitchFamily="34" charset="0"/>
-              <a:buChar char="•"/>
-            </a:pPr>
-            <a:r>
-              <a:rPr lang="en-GB" sz="900" b="1" i="0" dirty="0">
-                <a:effectLst/>
-              </a:rPr>
-              <a:t>Scope of Application</a:t>
-            </a:r>
-            <a:r>
-              <a:rPr lang="en-GB" sz="900" b="0" i="0" dirty="0">
-                <a:effectLst/>
-              </a:rPr>
-              <a:t>: IP is used for data routing across different networks (internet or between LANs), whereas Ethernet is used for connecting devices within the same local network.</a:t>
-            </a:r>
-          </a:p>
-          <a:p>
-            <a:pPr algn="l">
-              <a:spcBef>
-                <a:spcPts val="400"/>
-              </a:spcBef>
-              <a:spcAft>
-                <a:spcPts val="400"/>
-              </a:spcAft>
-              <a:buFont typeface="Arial" panose="020B0604020202020204" pitchFamily="34" charset="0"/>
-              <a:buChar char="•"/>
-            </a:pPr>
-            <a:r>
-              <a:rPr lang="en-GB" sz="900" b="1" i="0" dirty="0">
-                <a:effectLst/>
-              </a:rPr>
-              <a:t>Addressing Mechanism</a:t>
-            </a:r>
-            <a:r>
-              <a:rPr lang="en-GB" sz="900" b="0" i="0" dirty="0">
-                <a:effectLst/>
-              </a:rPr>
-              <a:t>: IP uses IP addresses for identifying devices, while Ethernet uses MAC addresses for the local delivery of frames.</a:t>
-            </a:r>
-          </a:p>
-          <a:p>
-            <a:pPr algn="l">
-              <a:spcBef>
-                <a:spcPts val="400"/>
-              </a:spcBef>
-              <a:spcAft>
-                <a:spcPts val="400"/>
-              </a:spcAft>
-              <a:buFont typeface="Arial" panose="020B0604020202020204" pitchFamily="34" charset="0"/>
-              <a:buChar char="•"/>
-            </a:pPr>
-            <a:r>
-              <a:rPr lang="en-GB" sz="900" b="1" i="0" dirty="0">
-                <a:effectLst/>
-              </a:rPr>
-              <a:t>Function</a:t>
-            </a:r>
-            <a:r>
-              <a:rPr lang="en-GB" sz="900" b="0" i="0" dirty="0">
-                <a:effectLst/>
-              </a:rPr>
-              <a:t>: IP is concerned with the logical routing of packets across networks. Ethernet deals with the actual physical and data link connections between devices.</a:t>
-            </a:r>
-          </a:p>
-          <a:p>
-            <a:pPr algn="l">
-              <a:spcBef>
-                <a:spcPts val="400"/>
-              </a:spcBef>
-              <a:spcAft>
-                <a:spcPts val="400"/>
-              </a:spcAft>
-              <a:buFont typeface="Arial" panose="020B0604020202020204" pitchFamily="34" charset="0"/>
-              <a:buChar char="•"/>
-            </a:pPr>
-            <a:r>
-              <a:rPr lang="en-GB" sz="900" b="1" i="0" dirty="0">
-                <a:effectLst/>
-              </a:rPr>
-              <a:t>Protocol Suite</a:t>
-            </a:r>
-            <a:r>
-              <a:rPr lang="en-GB" sz="900" b="0" i="0" dirty="0">
-                <a:effectLst/>
-              </a:rPr>
-              <a:t>: They belong to different protocol suites; IP is part of the TCP/IP suite, whereas Ethernet is a set of standards for LANs.</a:t>
-            </a:r>
+            <a:endParaRPr lang="en-CH" sz="1100" dirty="0"/>
           </a:p>
         </p:txBody>
       </p:sp>
